--- a/UI/UI.pptx
+++ b/UI/UI.pptx
@@ -4965,501 +4965,513 @@
           <a:chExt cx="0" cy="0"/>
         </a:xfrm>
       </p:grpSpPr>
-      <p:grpSp>
-        <p:nvGrpSpPr>
-          <p:cNvPr id="22" name="组合 21"/>
-          <p:cNvGrpSpPr/>
+      <p:pic>
+        <p:nvPicPr>
+          <p:cNvPr id="2" name="图片 1" descr="map"/>
+          <p:cNvPicPr>
+            <a:picLocks noChangeAspect="1"/>
+          </p:cNvPicPr>
           <p:nvPr/>
-        </p:nvGrpSpPr>
-        <p:grpSpPr>
+        </p:nvPicPr>
+        <p:blipFill>
+          <a:blip r:embed="rId1"/>
+          <a:stretch>
+            <a:fillRect/>
+          </a:stretch>
+        </p:blipFill>
+        <p:spPr>
           <a:xfrm>
             <a:off x="144145" y="139700"/>
             <a:ext cx="4705350" cy="10160000"/>
-            <a:chOff x="227" y="220"/>
-            <a:chExt cx="7410" cy="16000"/>
           </a:xfrm>
-        </p:grpSpPr>
-        <p:pic>
-          <p:nvPicPr>
-            <p:cNvPr id="2" name="图片 1" descr="map"/>
-            <p:cNvPicPr>
-              <a:picLocks noChangeAspect="1"/>
-            </p:cNvPicPr>
-            <p:nvPr/>
-          </p:nvPicPr>
-          <p:blipFill>
-            <a:blip r:embed="rId1"/>
-            <a:stretch>
-              <a:fillRect/>
-            </a:stretch>
-          </p:blipFill>
-          <p:spPr>
-            <a:xfrm>
-              <a:off x="227" y="220"/>
-              <a:ext cx="7410" cy="16000"/>
-            </a:xfrm>
-            <a:prstGeom prst="roundRect">
-              <a:avLst/>
-            </a:prstGeom>
-          </p:spPr>
-        </p:pic>
-        <p:sp>
-          <p:nvSpPr>
-            <p:cNvPr id="4" name="圆角矩形 3"/>
-            <p:cNvSpPr/>
-            <p:nvPr/>
-          </p:nvSpPr>
-          <p:spPr>
-            <a:xfrm>
-              <a:off x="417" y="879"/>
-              <a:ext cx="7092" cy="14427"/>
-            </a:xfrm>
-            <a:prstGeom prst="roundRect">
-              <a:avLst/>
-            </a:prstGeom>
+          <a:prstGeom prst="roundRect">
+            <a:avLst/>
+          </a:prstGeom>
+        </p:spPr>
+      </p:pic>
+      <p:sp>
+        <p:nvSpPr>
+          <p:cNvPr id="4" name="圆角矩形 3"/>
+          <p:cNvSpPr/>
+          <p:nvPr/>
+        </p:nvSpPr>
+        <p:spPr>
+          <a:xfrm>
+            <a:off x="264795" y="558165"/>
+            <a:ext cx="4503420" cy="9161145"/>
+          </a:xfrm>
+          <a:prstGeom prst="roundRect">
+            <a:avLst/>
+          </a:prstGeom>
+          <a:solidFill>
+            <a:schemeClr val="bg1"/>
+          </a:solidFill>
+          <a:ln>
             <a:solidFill>
-              <a:schemeClr val="bg1"/>
+              <a:schemeClr val="tx1"/>
             </a:solidFill>
-            <a:ln>
-              <a:solidFill>
-                <a:schemeClr val="tx1"/>
-              </a:solidFill>
-            </a:ln>
-          </p:spPr>
-          <p:style>
-            <a:lnRef idx="2">
+          </a:ln>
+        </p:spPr>
+        <p:style>
+          <a:lnRef idx="2">
+            <a:schemeClr val="accent1">
+              <a:shade val="50000"/>
+            </a:schemeClr>
+          </a:lnRef>
+          <a:fillRef idx="1">
+            <a:schemeClr val="accent1"/>
+          </a:fillRef>
+          <a:effectRef idx="0">
+            <a:schemeClr val="accent1"/>
+          </a:effectRef>
+          <a:fontRef idx="minor">
+            <a:schemeClr val="lt1"/>
+          </a:fontRef>
+        </p:style>
+        <p:txBody>
+          <a:bodyPr rtlCol="0" anchor="ctr"/>
+          <a:p>
+            <a:pPr algn="ctr"/>
+            <a:endParaRPr lang="zh-CN" altLang="en-US"/>
+          </a:p>
+        </p:txBody>
+      </p:sp>
+      <p:sp>
+        <p:nvSpPr>
+          <p:cNvPr id="9" name="流程图: 终止 8"/>
+          <p:cNvSpPr/>
+          <p:nvPr/>
+        </p:nvSpPr>
+        <p:spPr>
+          <a:xfrm>
+            <a:off x="1781175" y="4074795"/>
+            <a:ext cx="1616710" cy="708025"/>
+          </a:xfrm>
+          <a:prstGeom prst="flowChartTerminator">
+            <a:avLst/>
+          </a:prstGeom>
+          <a:solidFill>
+            <a:schemeClr val="accent1">
+              <a:alpha val="42000"/>
+            </a:schemeClr>
+          </a:solidFill>
+          <a:ln>
+            <a:solidFill>
+              <a:schemeClr val="tx1"/>
+            </a:solidFill>
+          </a:ln>
+        </p:spPr>
+        <p:style>
+          <a:lnRef idx="2">
+            <a:schemeClr val="accent1">
+              <a:shade val="50000"/>
+            </a:schemeClr>
+          </a:lnRef>
+          <a:fillRef idx="1">
+            <a:schemeClr val="accent1"/>
+          </a:fillRef>
+          <a:effectRef idx="0">
+            <a:schemeClr val="accent1"/>
+          </a:effectRef>
+          <a:fontRef idx="minor">
+            <a:schemeClr val="lt1"/>
+          </a:fontRef>
+        </p:style>
+        <p:txBody>
+          <a:bodyPr rtlCol="0" anchor="ctr"/>
+          <a:p>
+            <a:pPr algn="ctr"/>
+            <a:endParaRPr lang="zh-CN" altLang="en-US"/>
+          </a:p>
+        </p:txBody>
+      </p:sp>
+      <p:sp>
+        <p:nvSpPr>
+          <p:cNvPr id="3" name="文本框 2"/>
+          <p:cNvSpPr txBox="1"/>
+          <p:nvPr/>
+        </p:nvSpPr>
+        <p:spPr>
+          <a:xfrm>
+            <a:off x="647700" y="2392045"/>
+            <a:ext cx="862965" cy="521970"/>
+          </a:xfrm>
+          <a:prstGeom prst="rect">
+            <a:avLst/>
+          </a:prstGeom>
+          <a:noFill/>
+        </p:spPr>
+        <p:txBody>
+          <a:bodyPr wrap="none" rtlCol="0">
+            <a:spAutoFit/>
+          </a:bodyPr>
+          <a:p>
+            <a:r>
+              <a:rPr lang="en-US" altLang="zh-CN" sz="2800">
+                <a:latin typeface="Bahnschrift SemiBold" panose="020B0502040204020203" charset="0"/>
+                <a:cs typeface="Bahnschrift SemiBold" panose="020B0502040204020203" charset="0"/>
+              </a:rPr>
+              <a:t>Link</a:t>
+            </a:r>
+            <a:endParaRPr lang="en-US" altLang="zh-CN" sz="2400">
+              <a:latin typeface="Bahnschrift SemiBold" panose="020B0502040204020203" charset="0"/>
+              <a:cs typeface="Bahnschrift SemiBold" panose="020B0502040204020203" charset="0"/>
+            </a:endParaRPr>
+          </a:p>
+        </p:txBody>
+      </p:sp>
+      <p:sp>
+        <p:nvSpPr>
+          <p:cNvPr id="6" name="矩形 5"/>
+          <p:cNvSpPr/>
+          <p:nvPr/>
+        </p:nvSpPr>
+        <p:spPr>
+          <a:xfrm>
+            <a:off x="684530" y="2914015"/>
+            <a:ext cx="3710940" cy="546100"/>
+          </a:xfrm>
+          <a:prstGeom prst="rect">
+            <a:avLst/>
+          </a:prstGeom>
+          <a:solidFill>
+            <a:schemeClr val="bg2">
+              <a:lumMod val="95000"/>
+            </a:schemeClr>
+          </a:solidFill>
+          <a:ln>
+            <a:solidFill>
+              <a:schemeClr val="tx1"/>
+            </a:solidFill>
+          </a:ln>
+        </p:spPr>
+        <p:style>
+          <a:lnRef idx="2">
+            <a:schemeClr val="accent1">
+              <a:shade val="50000"/>
+            </a:schemeClr>
+          </a:lnRef>
+          <a:fillRef idx="1">
+            <a:schemeClr val="accent1"/>
+          </a:fillRef>
+          <a:effectRef idx="0">
+            <a:schemeClr val="accent1"/>
+          </a:effectRef>
+          <a:fontRef idx="minor">
+            <a:schemeClr val="lt1"/>
+          </a:fontRef>
+        </p:style>
+        <p:txBody>
+          <a:bodyPr rtlCol="0" anchor="ctr"/>
+          <a:p>
+            <a:pPr algn="ctr"/>
+            <a:endParaRPr lang="zh-CN" altLang="en-US"/>
+          </a:p>
+        </p:txBody>
+      </p:sp>
+      <p:sp>
+        <p:nvSpPr>
+          <p:cNvPr id="7" name="文本框 6"/>
+          <p:cNvSpPr txBox="1"/>
+          <p:nvPr/>
+        </p:nvSpPr>
+        <p:spPr>
+          <a:xfrm>
+            <a:off x="1916430" y="4229735"/>
+            <a:ext cx="1346835" cy="398780"/>
+          </a:xfrm>
+          <a:prstGeom prst="rect">
+            <a:avLst/>
+          </a:prstGeom>
+          <a:noFill/>
+        </p:spPr>
+        <p:txBody>
+          <a:bodyPr wrap="square" rtlCol="0">
+            <a:spAutoFit/>
+          </a:bodyPr>
+          <a:p>
+            <a:r>
+              <a:rPr lang="en-US" altLang="zh-CN" sz="2000">
+                <a:latin typeface="Bahnschrift SemiBold" panose="020B0502040204020203" charset="0"/>
+                <a:cs typeface="Bahnschrift SemiBold" panose="020B0502040204020203" charset="0"/>
+              </a:rPr>
+              <a:t>Create QR</a:t>
+            </a:r>
+            <a:endParaRPr lang="en-US" altLang="zh-CN" sz="2000">
+              <a:latin typeface="Bahnschrift SemiBold" panose="020B0502040204020203" charset="0"/>
+              <a:cs typeface="Bahnschrift SemiBold" panose="020B0502040204020203" charset="0"/>
+            </a:endParaRPr>
+          </a:p>
+        </p:txBody>
+      </p:sp>
+      <p:cxnSp>
+        <p:nvCxnSpPr>
+          <p:cNvPr id="13" name="直接连接符 12"/>
+          <p:cNvCxnSpPr/>
+          <p:nvPr/>
+        </p:nvCxnSpPr>
+        <p:spPr>
+          <a:xfrm>
+            <a:off x="215900" y="2050415"/>
+            <a:ext cx="4608195" cy="0"/>
+          </a:xfrm>
+          <a:prstGeom prst="line">
+            <a:avLst/>
+          </a:prstGeom>
+          <a:ln w="34925">
+            <a:solidFill>
+              <a:schemeClr val="tx1"/>
+            </a:solidFill>
+          </a:ln>
+        </p:spPr>
+        <p:style>
+          <a:lnRef idx="1">
+            <a:schemeClr val="accent1"/>
+          </a:lnRef>
+          <a:fillRef idx="0">
+            <a:schemeClr val="accent1"/>
+          </a:fillRef>
+          <a:effectRef idx="0">
+            <a:schemeClr val="accent1"/>
+          </a:effectRef>
+          <a:fontRef idx="minor">
+            <a:schemeClr val="tx1"/>
+          </a:fontRef>
+        </p:style>
+      </p:cxnSp>
+      <p:pic>
+        <p:nvPicPr>
+          <p:cNvPr id="15" name="图片 14"/>
+          <p:cNvPicPr>
+            <a:picLocks noChangeAspect="1"/>
+          </p:cNvPicPr>
+          <p:nvPr/>
+        </p:nvPicPr>
+        <p:blipFill>
+          <a:blip r:embed="rId2"/>
+          <a:stretch>
+            <a:fillRect/>
+          </a:stretch>
+        </p:blipFill>
+        <p:spPr>
+          <a:xfrm>
+            <a:off x="718820" y="5938520"/>
+            <a:ext cx="2870200" cy="3072130"/>
+          </a:xfrm>
+          <a:prstGeom prst="rect">
+            <a:avLst/>
+          </a:prstGeom>
+          <a:ln w="38100" cmpd="sng">
+            <a:solidFill>
               <a:schemeClr val="accent1">
                 <a:shade val="50000"/>
               </a:schemeClr>
-            </a:lnRef>
-            <a:fillRef idx="1">
-              <a:schemeClr val="accent1"/>
-            </a:fillRef>
-            <a:effectRef idx="0">
-              <a:schemeClr val="accent1"/>
-            </a:effectRef>
-            <a:fontRef idx="minor">
-              <a:schemeClr val="lt1"/>
-            </a:fontRef>
-          </p:style>
-          <p:txBody>
-            <a:bodyPr rtlCol="0" anchor="ctr"/>
-            <a:p>
-              <a:pPr algn="ctr"/>
-              <a:endParaRPr lang="zh-CN" altLang="en-US"/>
-            </a:p>
-          </p:txBody>
-        </p:sp>
-        <p:sp>
-          <p:nvSpPr>
-            <p:cNvPr id="9" name="流程图: 终止 8"/>
-            <p:cNvSpPr/>
-            <p:nvPr/>
-          </p:nvSpPr>
-          <p:spPr>
-            <a:xfrm>
-              <a:off x="2805" y="6417"/>
-              <a:ext cx="2546" cy="1115"/>
-            </a:xfrm>
-            <a:prstGeom prst="flowChartTerminator">
-              <a:avLst/>
-            </a:prstGeom>
-            <a:solidFill>
-              <a:schemeClr val="accent1">
-                <a:alpha val="42000"/>
-              </a:schemeClr>
             </a:solidFill>
-            <a:ln>
-              <a:solidFill>
-                <a:schemeClr val="tx1"/>
-              </a:solidFill>
-            </a:ln>
-          </p:spPr>
-          <p:style>
-            <a:lnRef idx="2">
-              <a:schemeClr val="accent1">
-                <a:shade val="50000"/>
-              </a:schemeClr>
-            </a:lnRef>
-            <a:fillRef idx="1">
-              <a:schemeClr val="accent1"/>
-            </a:fillRef>
-            <a:effectRef idx="0">
-              <a:schemeClr val="accent1"/>
-            </a:effectRef>
-            <a:fontRef idx="minor">
-              <a:schemeClr val="lt1"/>
-            </a:fontRef>
-          </p:style>
-          <p:txBody>
-            <a:bodyPr rtlCol="0" anchor="ctr"/>
-            <a:p>
-              <a:pPr algn="ctr"/>
-              <a:endParaRPr lang="zh-CN" altLang="en-US"/>
-            </a:p>
-          </p:txBody>
-        </p:sp>
-        <p:sp>
-          <p:nvSpPr>
-            <p:cNvPr id="3" name="文本框 2"/>
-            <p:cNvSpPr txBox="1"/>
-            <p:nvPr/>
-          </p:nvSpPr>
-          <p:spPr>
-            <a:xfrm>
-              <a:off x="1020" y="3767"/>
-              <a:ext cx="1359" cy="822"/>
-            </a:xfrm>
-            <a:prstGeom prst="rect">
-              <a:avLst/>
-            </a:prstGeom>
+            <a:prstDash val="solid"/>
+          </a:ln>
+        </p:spPr>
+      </p:pic>
+      <p:pic>
+        <p:nvPicPr>
+          <p:cNvPr id="20" name="图片 19"/>
+          <p:cNvPicPr>
+            <a:picLocks noChangeAspect="1"/>
+          </p:cNvPicPr>
+          <p:nvPr/>
+        </p:nvPicPr>
+        <p:blipFill>
+          <a:blip r:embed="rId3">
+            <a:alphaModFix amt="81000"/>
+          </a:blip>
+          <a:srcRect t="12831" b="14759"/>
+          <a:stretch>
+            <a:fillRect/>
+          </a:stretch>
+        </p:blipFill>
+        <p:spPr>
+          <a:xfrm>
+            <a:off x="359410" y="648335"/>
+            <a:ext cx="4354195" cy="763270"/>
+          </a:xfrm>
+          <a:prstGeom prst="roundRect">
+            <a:avLst>
+              <a:gd name="adj" fmla="val 50000"/>
+            </a:avLst>
+          </a:prstGeom>
+        </p:spPr>
+      </p:pic>
+      <p:pic>
+        <p:nvPicPr>
+          <p:cNvPr id="16" name="图片 15"/>
+          <p:cNvPicPr>
+            <a:picLocks noChangeAspect="1"/>
+          </p:cNvPicPr>
+          <p:nvPr/>
+        </p:nvPicPr>
+        <p:blipFill>
+          <a:blip r:embed="rId4"/>
+          <a:stretch>
+            <a:fillRect/>
+          </a:stretch>
+        </p:blipFill>
+        <p:spPr>
+          <a:xfrm>
+            <a:off x="3743960" y="5926455"/>
+            <a:ext cx="894080" cy="694055"/>
+          </a:xfrm>
+          <a:prstGeom prst="rect">
+            <a:avLst/>
+          </a:prstGeom>
+        </p:spPr>
+      </p:pic>
+      <p:pic>
+        <p:nvPicPr>
+          <p:cNvPr id="17" name="图片 16"/>
+          <p:cNvPicPr>
+            <a:picLocks noChangeAspect="1"/>
+          </p:cNvPicPr>
+          <p:nvPr/>
+        </p:nvPicPr>
+        <p:blipFill>
+          <a:blip r:embed="rId5"/>
+          <a:stretch>
+            <a:fillRect/>
+          </a:stretch>
+        </p:blipFill>
+        <p:spPr>
+          <a:xfrm>
+            <a:off x="3744595" y="7046595"/>
+            <a:ext cx="969645" cy="781050"/>
+          </a:xfrm>
+          <a:prstGeom prst="rect">
+            <a:avLst/>
+          </a:prstGeom>
+        </p:spPr>
+      </p:pic>
+      <p:pic>
+        <p:nvPicPr>
+          <p:cNvPr id="18" name="图片 17"/>
+          <p:cNvPicPr>
+            <a:picLocks noChangeAspect="1"/>
+          </p:cNvPicPr>
+          <p:nvPr/>
+        </p:nvPicPr>
+        <p:blipFill>
+          <a:blip r:embed="rId6"/>
+          <a:stretch>
+            <a:fillRect/>
+          </a:stretch>
+        </p:blipFill>
+        <p:spPr>
+          <a:xfrm>
+            <a:off x="3816350" y="8228965"/>
+            <a:ext cx="767715" cy="781685"/>
+          </a:xfrm>
+          <a:prstGeom prst="rect">
+            <a:avLst/>
+          </a:prstGeom>
+        </p:spPr>
+      </p:pic>
+      <p:pic>
+        <p:nvPicPr>
+          <p:cNvPr id="19" name="图片 18"/>
+          <p:cNvPicPr>
+            <a:picLocks noChangeAspect="1"/>
+          </p:cNvPicPr>
+          <p:nvPr/>
+        </p:nvPicPr>
+        <p:blipFill>
+          <a:blip r:embed="rId7">
+            <a:alphaModFix amt="89000"/>
+          </a:blip>
+          <a:stretch>
+            <a:fillRect/>
+          </a:stretch>
+        </p:blipFill>
+        <p:spPr>
+          <a:xfrm>
+            <a:off x="290195" y="5088890"/>
+            <a:ext cx="4437380" cy="583565"/>
+          </a:xfrm>
+          <a:prstGeom prst="roundRect">
+            <a:avLst/>
+          </a:prstGeom>
+        </p:spPr>
+      </p:pic>
+      <p:sp>
+        <p:nvSpPr>
+          <p:cNvPr id="11" name="文本框 10"/>
+          <p:cNvSpPr txBox="1"/>
+          <p:nvPr/>
+        </p:nvSpPr>
+        <p:spPr>
+          <a:xfrm>
+            <a:off x="718820" y="923290"/>
+            <a:ext cx="1969770" cy="1198880"/>
+          </a:xfrm>
+          <a:prstGeom prst="rect">
+            <a:avLst/>
+          </a:prstGeom>
+          <a:noFill/>
+          <a:ln w="12700" cmpd="sng">
             <a:noFill/>
-          </p:spPr>
-          <p:txBody>
-            <a:bodyPr wrap="none" rtlCol="0">
-              <a:spAutoFit/>
-            </a:bodyPr>
-            <a:p>
-              <a:r>
-                <a:rPr lang="en-US" altLang="zh-CN" sz="2800">
-                  <a:latin typeface="Bahnschrift SemiBold" panose="020B0502040204020203" charset="0"/>
-                  <a:cs typeface="Bahnschrift SemiBold" panose="020B0502040204020203" charset="0"/>
-                </a:rPr>
-                <a:t>Link</a:t>
-              </a:r>
-              <a:endParaRPr lang="en-US" altLang="zh-CN" sz="2400">
+            <a:prstDash val="solid"/>
+          </a:ln>
+        </p:spPr>
+        <p:txBody>
+          <a:bodyPr wrap="square" rtlCol="0">
+            <a:spAutoFit/>
+          </a:bodyPr>
+          <a:p>
+            <a:pPr algn="l"/>
+            <a:r>
+              <a:rPr lang="en-US" altLang="zh-CN" sz="3200">
                 <a:latin typeface="Bahnschrift SemiBold" panose="020B0502040204020203" charset="0"/>
                 <a:cs typeface="Bahnschrift SemiBold" panose="020B0502040204020203" charset="0"/>
-              </a:endParaRPr>
-            </a:p>
-          </p:txBody>
-        </p:sp>
-        <p:sp>
-          <p:nvSpPr>
-            <p:cNvPr id="6" name="矩形 5"/>
-            <p:cNvSpPr/>
-            <p:nvPr/>
-          </p:nvSpPr>
-          <p:spPr>
-            <a:xfrm>
-              <a:off x="1078" y="4589"/>
-              <a:ext cx="5844" cy="860"/>
-            </a:xfrm>
-            <a:prstGeom prst="rect">
-              <a:avLst/>
-            </a:prstGeom>
-            <a:solidFill>
-              <a:schemeClr val="bg2">
-                <a:lumMod val="95000"/>
-              </a:schemeClr>
-            </a:solidFill>
-            <a:ln>
-              <a:solidFill>
-                <a:schemeClr val="tx1"/>
-              </a:solidFill>
-            </a:ln>
-          </p:spPr>
-          <p:style>
-            <a:lnRef idx="2">
-              <a:schemeClr val="accent1">
-                <a:shade val="50000"/>
-              </a:schemeClr>
-            </a:lnRef>
-            <a:fillRef idx="1">
-              <a:schemeClr val="accent1"/>
-            </a:fillRef>
-            <a:effectRef idx="0">
-              <a:schemeClr val="accent1"/>
-            </a:effectRef>
-            <a:fontRef idx="minor">
-              <a:schemeClr val="lt1"/>
-            </a:fontRef>
-          </p:style>
-          <p:txBody>
-            <a:bodyPr rtlCol="0" anchor="ctr"/>
-            <a:p>
-              <a:pPr algn="ctr"/>
-              <a:endParaRPr lang="zh-CN" altLang="en-US"/>
-            </a:p>
-          </p:txBody>
-        </p:sp>
-        <p:sp>
-          <p:nvSpPr>
-            <p:cNvPr id="7" name="文本框 6"/>
-            <p:cNvSpPr txBox="1"/>
-            <p:nvPr/>
-          </p:nvSpPr>
-          <p:spPr>
-            <a:xfrm>
-              <a:off x="3018" y="6661"/>
-              <a:ext cx="2121" cy="628"/>
-            </a:xfrm>
-            <a:prstGeom prst="rect">
-              <a:avLst/>
-            </a:prstGeom>
-            <a:noFill/>
-          </p:spPr>
-          <p:txBody>
-            <a:bodyPr wrap="square" rtlCol="0">
-              <a:spAutoFit/>
-            </a:bodyPr>
-            <a:p>
-              <a:r>
-                <a:rPr lang="en-US" altLang="zh-CN" sz="2000">
-                  <a:latin typeface="Bahnschrift SemiBold" panose="020B0502040204020203" charset="0"/>
-                  <a:cs typeface="Bahnschrift SemiBold" panose="020B0502040204020203" charset="0"/>
-                </a:rPr>
-                <a:t>Create QR</a:t>
-              </a:r>
-              <a:endParaRPr lang="en-US" altLang="zh-CN" sz="2000">
+              </a:rPr>
+              <a:t>    </a:t>
+            </a:r>
+            <a:r>
+              <a:rPr lang="en-US" altLang="zh-CN" sz="4000">
                 <a:latin typeface="Bahnschrift SemiBold" panose="020B0502040204020203" charset="0"/>
                 <a:cs typeface="Bahnschrift SemiBold" panose="020B0502040204020203" charset="0"/>
-              </a:endParaRPr>
-            </a:p>
-          </p:txBody>
-        </p:sp>
-        <p:cxnSp>
-          <p:nvCxnSpPr>
-            <p:cNvPr id="13" name="直接连接符 12"/>
-            <p:cNvCxnSpPr/>
-            <p:nvPr/>
-          </p:nvCxnSpPr>
-          <p:spPr>
-            <a:xfrm>
-              <a:off x="340" y="3229"/>
-              <a:ext cx="7257" cy="0"/>
-            </a:xfrm>
-            <a:prstGeom prst="line">
-              <a:avLst/>
-            </a:prstGeom>
-            <a:ln w="34925">
-              <a:solidFill>
-                <a:schemeClr val="tx1"/>
-              </a:solidFill>
-            </a:ln>
-          </p:spPr>
-          <p:style>
-            <a:lnRef idx="1">
-              <a:schemeClr val="accent1"/>
-            </a:lnRef>
-            <a:fillRef idx="0">
-              <a:schemeClr val="accent1"/>
-            </a:fillRef>
-            <a:effectRef idx="0">
-              <a:schemeClr val="accent1"/>
-            </a:effectRef>
-            <a:fontRef idx="minor">
-              <a:schemeClr val="tx1"/>
-            </a:fontRef>
-          </p:style>
-        </p:cxnSp>
-        <p:pic>
-          <p:nvPicPr>
-            <p:cNvPr id="15" name="图片 14"/>
-            <p:cNvPicPr>
-              <a:picLocks noChangeAspect="1"/>
-            </p:cNvPicPr>
-            <p:nvPr/>
-          </p:nvPicPr>
-          <p:blipFill>
-            <a:blip r:embed="rId2"/>
-            <a:stretch>
-              <a:fillRect/>
-            </a:stretch>
-          </p:blipFill>
-          <p:spPr>
-            <a:xfrm>
-              <a:off x="1132" y="9352"/>
-              <a:ext cx="4520" cy="4838"/>
-            </a:xfrm>
-            <a:prstGeom prst="rect">
-              <a:avLst/>
-            </a:prstGeom>
-            <a:ln w="38100" cmpd="sng">
-              <a:solidFill>
-                <a:schemeClr val="accent1">
-                  <a:shade val="50000"/>
-                </a:schemeClr>
-              </a:solidFill>
-              <a:prstDash val="solid"/>
-            </a:ln>
-          </p:spPr>
-        </p:pic>
-        <p:pic>
-          <p:nvPicPr>
-            <p:cNvPr id="20" name="图片 19"/>
-            <p:cNvPicPr>
-              <a:picLocks noChangeAspect="1"/>
-            </p:cNvPicPr>
-            <p:nvPr/>
-          </p:nvPicPr>
-          <p:blipFill>
-            <a:blip r:embed="rId3">
-              <a:alphaModFix amt="81000"/>
-            </a:blip>
-            <a:srcRect t="12831" b="14759"/>
-            <a:stretch>
-              <a:fillRect/>
-            </a:stretch>
-          </p:blipFill>
-          <p:spPr>
-            <a:xfrm>
-              <a:off x="566" y="1021"/>
-              <a:ext cx="6857" cy="1202"/>
-            </a:xfrm>
-            <a:prstGeom prst="roundRect">
-              <a:avLst>
-                <a:gd name="adj" fmla="val 50000"/>
-              </a:avLst>
-            </a:prstGeom>
-          </p:spPr>
-        </p:pic>
-        <p:pic>
-          <p:nvPicPr>
-            <p:cNvPr id="16" name="图片 15"/>
-            <p:cNvPicPr>
-              <a:picLocks noChangeAspect="1"/>
-            </p:cNvPicPr>
-            <p:nvPr/>
-          </p:nvPicPr>
-          <p:blipFill>
-            <a:blip r:embed="rId4"/>
-            <a:stretch>
-              <a:fillRect/>
-            </a:stretch>
-          </p:blipFill>
-          <p:spPr>
-            <a:xfrm>
-              <a:off x="5896" y="9333"/>
-              <a:ext cx="1408" cy="1093"/>
-            </a:xfrm>
-            <a:prstGeom prst="rect">
-              <a:avLst/>
-            </a:prstGeom>
-          </p:spPr>
-        </p:pic>
-        <p:pic>
-          <p:nvPicPr>
-            <p:cNvPr id="17" name="图片 16"/>
-            <p:cNvPicPr>
-              <a:picLocks noChangeAspect="1"/>
-            </p:cNvPicPr>
-            <p:nvPr/>
-          </p:nvPicPr>
-          <p:blipFill>
-            <a:blip r:embed="rId5"/>
-            <a:stretch>
-              <a:fillRect/>
-            </a:stretch>
-          </p:blipFill>
-          <p:spPr>
-            <a:xfrm>
-              <a:off x="5897" y="11097"/>
-              <a:ext cx="1527" cy="1230"/>
-            </a:xfrm>
-            <a:prstGeom prst="rect">
-              <a:avLst/>
-            </a:prstGeom>
-          </p:spPr>
-        </p:pic>
-        <p:pic>
-          <p:nvPicPr>
-            <p:cNvPr id="18" name="图片 17"/>
-            <p:cNvPicPr>
-              <a:picLocks noChangeAspect="1"/>
-            </p:cNvPicPr>
-            <p:nvPr/>
-          </p:nvPicPr>
-          <p:blipFill>
-            <a:blip r:embed="rId6"/>
-            <a:stretch>
-              <a:fillRect/>
-            </a:stretch>
-          </p:blipFill>
-          <p:spPr>
-            <a:xfrm>
-              <a:off x="6010" y="12959"/>
-              <a:ext cx="1209" cy="1231"/>
-            </a:xfrm>
-            <a:prstGeom prst="rect">
-              <a:avLst/>
-            </a:prstGeom>
-          </p:spPr>
-        </p:pic>
-        <p:pic>
-          <p:nvPicPr>
-            <p:cNvPr id="19" name="图片 18"/>
-            <p:cNvPicPr>
-              <a:picLocks noChangeAspect="1"/>
-            </p:cNvPicPr>
-            <p:nvPr/>
-          </p:nvPicPr>
-          <p:blipFill>
-            <a:blip r:embed="rId7">
-              <a:alphaModFix amt="89000"/>
-            </a:blip>
-            <a:stretch>
-              <a:fillRect/>
-            </a:stretch>
-          </p:blipFill>
-          <p:spPr>
-            <a:xfrm>
-              <a:off x="457" y="8014"/>
-              <a:ext cx="6988" cy="919"/>
-            </a:xfrm>
-            <a:prstGeom prst="roundRect">
-              <a:avLst/>
-            </a:prstGeom>
-          </p:spPr>
-        </p:pic>
-        <p:sp>
-          <p:nvSpPr>
-            <p:cNvPr id="11" name="文本框 10"/>
-            <p:cNvSpPr txBox="1"/>
-            <p:nvPr/>
-          </p:nvSpPr>
-          <p:spPr>
-            <a:xfrm>
-              <a:off x="1132" y="1454"/>
-              <a:ext cx="3102" cy="1888"/>
-            </a:xfrm>
-            <a:prstGeom prst="rect">
-              <a:avLst/>
-            </a:prstGeom>
-            <a:noFill/>
-            <a:ln w="12700" cmpd="sng">
-              <a:noFill/>
-              <a:prstDash val="solid"/>
-            </a:ln>
-          </p:spPr>
-          <p:txBody>
-            <a:bodyPr wrap="square" rtlCol="0">
-              <a:spAutoFit/>
-            </a:bodyPr>
-            <a:p>
-              <a:pPr algn="l"/>
-              <a:r>
-                <a:rPr lang="en-US" altLang="zh-CN" sz="3200">
-                  <a:latin typeface="Bahnschrift SemiBold" panose="020B0502040204020203" charset="0"/>
-                  <a:cs typeface="Bahnschrift SemiBold" panose="020B0502040204020203" charset="0"/>
-                </a:rPr>
-                <a:t>    </a:t>
-              </a:r>
-              <a:r>
-                <a:rPr lang="en-US" altLang="zh-CN" sz="4000">
-                  <a:latin typeface="Bahnschrift SemiBold" panose="020B0502040204020203" charset="0"/>
-                  <a:cs typeface="Bahnschrift SemiBold" panose="020B0502040204020203" charset="0"/>
-                </a:rPr>
-                <a:t>Admin</a:t>
-              </a:r>
-              <a:endParaRPr lang="en-US" altLang="zh-CN" sz="4000">
-                <a:latin typeface="Bahnschrift SemiBold" panose="020B0502040204020203" charset="0"/>
-                <a:cs typeface="Bahnschrift SemiBold" panose="020B0502040204020203" charset="0"/>
-              </a:endParaRPr>
-            </a:p>
-          </p:txBody>
-        </p:sp>
-      </p:grpSp>
+              </a:rPr>
+              <a:t>Admin</a:t>
+            </a:r>
+            <a:endParaRPr lang="en-US" altLang="zh-CN" sz="4000">
+              <a:latin typeface="Bahnschrift SemiBold" panose="020B0502040204020203" charset="0"/>
+              <a:cs typeface="Bahnschrift SemiBold" panose="020B0502040204020203" charset="0"/>
+            </a:endParaRPr>
+          </a:p>
+        </p:txBody>
+      </p:sp>
+      <p:pic>
+        <p:nvPicPr>
+          <p:cNvPr id="5" name="图片 4"/>
+          <p:cNvPicPr>
+            <a:picLocks noChangeAspect="1"/>
+          </p:cNvPicPr>
+          <p:nvPr/>
+        </p:nvPicPr>
+        <p:blipFill>
+          <a:blip r:embed="rId3">
+            <a:alphaModFix amt="81000"/>
+          </a:blip>
+          <a:srcRect t="12831" b="14759"/>
+          <a:stretch>
+            <a:fillRect/>
+          </a:stretch>
+        </p:blipFill>
+        <p:spPr>
+          <a:xfrm>
+            <a:off x="6191885" y="1115695"/>
+            <a:ext cx="4354195" cy="763270"/>
+          </a:xfrm>
+          <a:prstGeom prst="rect">
+            <a:avLst/>
+          </a:prstGeom>
+        </p:spPr>
+      </p:pic>
     </p:spTree>
     <p:custDataLst>
       <p:tags r:id="rId8"/>
